--- a/Plant, Soil and Weed Identification.pptx
+++ b/Plant, Soil and Weed Identification.pptx
@@ -6008,36 +6008,36 @@
         <p:spPr/>
         <p:txBody>
           <a:bodyPr>
-            <a:normAutofit fontScale="85000" lnSpcReduction="10000"/>
+            <a:normAutofit/>
           </a:bodyPr>
           <a:lstStyle/>
           <a:p>
             <a:r>
-              <a:rPr lang="en-US" sz="4400" dirty="0"/>
+              <a:rPr lang="en-US" sz="3200" dirty="0"/>
               <a:t>Simplified the given data</a:t>
             </a:r>
           </a:p>
           <a:p>
             <a:r>
-              <a:rPr lang="en-US" sz="4400" dirty="0"/>
+              <a:rPr lang="en-US" sz="3200" dirty="0"/>
               <a:t>Set Image size</a:t>
             </a:r>
           </a:p>
           <a:p>
             <a:r>
-              <a:rPr lang="en-US" sz="4400" dirty="0"/>
+              <a:rPr lang="en-US" sz="3200" dirty="0"/>
               <a:t>Convert to grayscale</a:t>
             </a:r>
           </a:p>
           <a:p>
             <a:r>
-              <a:rPr lang="en-US" sz="4400" dirty="0"/>
+              <a:rPr lang="en-US" sz="3200" dirty="0"/>
               <a:t>Set Classification Categories (1-3)</a:t>
             </a:r>
           </a:p>
           <a:p>
             <a:r>
-              <a:rPr lang="en-US" sz="4400" dirty="0"/>
+              <a:rPr lang="en-US" sz="3200" dirty="0"/>
               <a:t>Note: Converting RGB to hexadecimal value is a terrible idea</a:t>
             </a:r>
           </a:p>
@@ -6125,25 +6125,37 @@
           <a:lstStyle/>
           <a:p>
             <a:r>
-              <a:rPr lang="en-US" sz="4400" dirty="0"/>
+              <a:rPr lang="en-US" sz="3200" dirty="0"/>
               <a:t>Horizontal Flip</a:t>
             </a:r>
           </a:p>
           <a:p>
             <a:r>
-              <a:rPr lang="en-US" sz="4400" dirty="0"/>
+              <a:rPr lang="en-US" sz="3200" dirty="0"/>
               <a:t>Rotation </a:t>
             </a:r>
           </a:p>
           <a:p>
             <a:r>
-              <a:rPr lang="en-US" sz="4400" dirty="0"/>
+              <a:rPr lang="en-US" sz="3200" dirty="0"/>
+              <a:t>Rescale</a:t>
+            </a:r>
+          </a:p>
+          <a:p>
+            <a:r>
+              <a:rPr lang="en-US" sz="3200" dirty="0"/>
+              <a:t>Sheer Range</a:t>
+            </a:r>
+          </a:p>
+          <a:p>
+            <a:r>
+              <a:rPr lang="en-US" sz="3200" dirty="0"/>
               <a:t>Echo:- 10-150</a:t>
             </a:r>
           </a:p>
           <a:p>
             <a:r>
-              <a:rPr lang="en-US" sz="4400" dirty="0"/>
+              <a:rPr lang="en-US" sz="3200" dirty="0"/>
               <a:t>Batch Size:- 10-16</a:t>
             </a:r>
           </a:p>
@@ -6165,6 +6177,14 @@
 <file path=ppt/slides/slide4.xml><?xml version="1.0" encoding="utf-8"?>
 <p:sld xmlns:a="http://schemas.openxmlformats.org/drawingml/2006/main" xmlns:r="http://schemas.openxmlformats.org/officeDocument/2006/relationships" xmlns:p="http://schemas.openxmlformats.org/presentationml/2006/main">
   <p:cSld>
+    <p:bg>
+      <p:bgPr>
+        <a:solidFill>
+          <a:schemeClr val="bg1"/>
+        </a:solidFill>
+        <a:effectLst/>
+      </p:bgPr>
+    </p:bg>
     <p:spTree>
       <p:nvGrpSpPr>
         <p:cNvPr id="1" name=""/>
@@ -6179,6 +6199,190 @@
           <a:chExt cx="0" cy="0"/>
         </a:xfrm>
       </p:grpSpPr>
+      <p:sp useBgFill="1">
+        <p:nvSpPr>
+          <p:cNvPr id="27" name="Rectangle 26">
+            <a:extLst>
+              <a:ext uri="{FF2B5EF4-FFF2-40B4-BE49-F238E27FC236}">
+                <a16:creationId xmlns:a16="http://schemas.microsoft.com/office/drawing/2014/main" id="{9F4444CE-BC8D-4D61-B303-4C05614E62AB}"/>
+              </a:ext>
+              <a:ext uri="{C183D7F6-B498-43B3-948B-1728B52AA6E4}">
+                <adec:decorative xmlns:adec="http://schemas.microsoft.com/office/drawing/2017/decorative" val="1"/>
+              </a:ext>
+            </a:extLst>
+          </p:cNvPr>
+          <p:cNvSpPr>
+            <a:spLocks noGrp="1" noRot="1" noChangeAspect="1" noMove="1" noResize="1" noEditPoints="1" noAdjustHandles="1" noChangeArrowheads="1" noChangeShapeType="1" noTextEdit="1"/>
+          </p:cNvSpPr>
+          <p:nvPr>
+            <p:extLst>
+              <p:ext uri="{386F3935-93C4-4BCD-93E2-E3B085C9AB24}">
+                <p16:designElem xmlns:p16="http://schemas.microsoft.com/office/powerpoint/2015/main" val="1"/>
+              </p:ext>
+            </p:extLst>
+          </p:nvPr>
+        </p:nvSpPr>
+        <p:spPr>
+          <a:xfrm>
+            <a:off x="0" y="0"/>
+            <a:ext cx="12192000" cy="6858000"/>
+          </a:xfrm>
+          <a:prstGeom prst="rect">
+            <a:avLst/>
+          </a:prstGeom>
+          <a:ln>
+            <a:noFill/>
+          </a:ln>
+        </p:spPr>
+        <p:style>
+          <a:lnRef idx="2">
+            <a:schemeClr val="accent1">
+              <a:shade val="50000"/>
+            </a:schemeClr>
+          </a:lnRef>
+          <a:fillRef idx="1">
+            <a:schemeClr val="accent1"/>
+          </a:fillRef>
+          <a:effectRef idx="0">
+            <a:schemeClr val="accent1"/>
+          </a:effectRef>
+          <a:fontRef idx="minor">
+            <a:schemeClr val="lt1"/>
+          </a:fontRef>
+        </p:style>
+        <p:txBody>
+          <a:bodyPr rtlCol="0" anchor="ctr"/>
+          <a:lstStyle/>
+          <a:p>
+            <a:pPr algn="ctr"/>
+            <a:endParaRPr lang="en-US"/>
+          </a:p>
+        </p:txBody>
+      </p:sp>
+      <p:sp>
+        <p:nvSpPr>
+          <p:cNvPr id="29" name="Rectangle 28">
+            <a:extLst>
+              <a:ext uri="{FF2B5EF4-FFF2-40B4-BE49-F238E27FC236}">
+                <a16:creationId xmlns:a16="http://schemas.microsoft.com/office/drawing/2014/main" id="{62423CA5-E2E1-4789-B759-9906C1C94063}"/>
+              </a:ext>
+              <a:ext uri="{C183D7F6-B498-43B3-948B-1728B52AA6E4}">
+                <adec:decorative xmlns:adec="http://schemas.microsoft.com/office/drawing/2017/decorative" val="1"/>
+              </a:ext>
+            </a:extLst>
+          </p:cNvPr>
+          <p:cNvSpPr>
+            <a:spLocks noGrp="1" noRot="1" noChangeAspect="1" noMove="1" noResize="1" noEditPoints="1" noAdjustHandles="1" noChangeArrowheads="1" noChangeShapeType="1" noTextEdit="1"/>
+          </p:cNvSpPr>
+          <p:nvPr>
+            <p:extLst>
+              <p:ext uri="{386F3935-93C4-4BCD-93E2-E3B085C9AB24}">
+                <p16:designElem xmlns:p16="http://schemas.microsoft.com/office/powerpoint/2015/main" val="1"/>
+              </p:ext>
+            </p:extLst>
+          </p:nvPr>
+        </p:nvSpPr>
+        <p:spPr>
+          <a:xfrm>
+            <a:off x="0" y="-3"/>
+            <a:ext cx="4660126" cy="6858000"/>
+          </a:xfrm>
+          <a:prstGeom prst="rect">
+            <a:avLst/>
+          </a:prstGeom>
+          <a:solidFill>
+            <a:schemeClr val="tx2"/>
+          </a:solidFill>
+          <a:ln>
+            <a:noFill/>
+          </a:ln>
+          <a:effectLst/>
+        </p:spPr>
+        <p:style>
+          <a:lnRef idx="1">
+            <a:schemeClr val="accent1"/>
+          </a:lnRef>
+          <a:fillRef idx="3">
+            <a:schemeClr val="accent1"/>
+          </a:fillRef>
+          <a:effectRef idx="2">
+            <a:schemeClr val="accent1"/>
+          </a:effectRef>
+          <a:fontRef idx="minor">
+            <a:schemeClr val="lt1"/>
+          </a:fontRef>
+        </p:style>
+        <p:txBody>
+          <a:bodyPr/>
+          <a:lstStyle/>
+          <a:p>
+            <a:endParaRPr lang="en-US"/>
+          </a:p>
+        </p:txBody>
+      </p:sp>
+      <p:sp>
+        <p:nvSpPr>
+          <p:cNvPr id="31" name="Isosceles Triangle 30">
+            <a:extLst>
+              <a:ext uri="{FF2B5EF4-FFF2-40B4-BE49-F238E27FC236}">
+                <a16:creationId xmlns:a16="http://schemas.microsoft.com/office/drawing/2014/main" id="{73772B81-181F-48B7-8826-4D9686D15DF5}"/>
+              </a:ext>
+              <a:ext uri="{C183D7F6-B498-43B3-948B-1728B52AA6E4}">
+                <adec:decorative xmlns:adec="http://schemas.microsoft.com/office/drawing/2017/decorative" val="1"/>
+              </a:ext>
+            </a:extLst>
+          </p:cNvPr>
+          <p:cNvSpPr>
+            <a:spLocks noGrp="1" noRot="1" noChangeAspect="1" noMove="1" noResize="1" noEditPoints="1" noAdjustHandles="1" noChangeArrowheads="1" noChangeShapeType="1" noTextEdit="1"/>
+          </p:cNvSpPr>
+          <p:nvPr>
+            <p:extLst>
+              <p:ext uri="{386F3935-93C4-4BCD-93E2-E3B085C9AB24}">
+                <p16:designElem xmlns:p16="http://schemas.microsoft.com/office/powerpoint/2015/main" val="1"/>
+              </p:ext>
+            </p:extLst>
+          </p:nvPr>
+        </p:nvSpPr>
+        <p:spPr>
+          <a:xfrm rot="10800000">
+            <a:off x="4660127" y="-3"/>
+            <a:ext cx="1056745" cy="6858001"/>
+          </a:xfrm>
+          <a:prstGeom prst="triangle">
+            <a:avLst>
+              <a:gd name="adj" fmla="val 100000"/>
+            </a:avLst>
+          </a:prstGeom>
+          <a:solidFill>
+            <a:schemeClr val="tx2"/>
+          </a:solidFill>
+          <a:ln>
+            <a:noFill/>
+          </a:ln>
+          <a:effectLst/>
+        </p:spPr>
+        <p:style>
+          <a:lnRef idx="1">
+            <a:schemeClr val="accent1"/>
+          </a:lnRef>
+          <a:fillRef idx="3">
+            <a:schemeClr val="accent1"/>
+          </a:fillRef>
+          <a:effectRef idx="2">
+            <a:schemeClr val="accent1"/>
+          </a:effectRef>
+          <a:fontRef idx="minor">
+            <a:schemeClr val="lt1"/>
+          </a:fontRef>
+        </p:style>
+        <p:txBody>
+          <a:bodyPr/>
+          <a:lstStyle/>
+          <a:p>
+            <a:endParaRPr lang="en-US" dirty="0"/>
+          </a:p>
+        </p:txBody>
+      </p:sp>
       <p:sp>
         <p:nvSpPr>
           <p:cNvPr id="2" name="Title 1">
@@ -6195,13 +6399,27 @@
             <p:ph type="title"/>
           </p:nvPr>
         </p:nvSpPr>
-        <p:spPr/>
-        <p:txBody>
-          <a:bodyPr/>
-          <a:lstStyle/>
-          <a:p>
-            <a:r>
-              <a:rPr lang="en-US" dirty="0"/>
+        <p:spPr>
+          <a:xfrm>
+            <a:off x="673754" y="643467"/>
+            <a:ext cx="4203045" cy="1375608"/>
+          </a:xfrm>
+        </p:spPr>
+        <p:txBody>
+          <a:bodyPr vert="horz" lIns="91440" tIns="45720" rIns="91440" bIns="45720" rtlCol="0" anchor="ctr">
+            <a:normAutofit/>
+          </a:bodyPr>
+          <a:lstStyle/>
+          <a:p>
+            <a:r>
+              <a:rPr lang="en-US" kern="1200">
+                <a:solidFill>
+                  <a:schemeClr val="bg1"/>
+                </a:solidFill>
+                <a:latin typeface="+mj-lt"/>
+                <a:ea typeface="+mj-ea"/>
+                <a:cs typeface="+mj-cs"/>
+              </a:rPr>
               <a:t>Final Predictions</a:t>
             </a:r>
           </a:p>
@@ -6223,33 +6441,147 @@
             <p:ph idx="1"/>
           </p:nvPr>
         </p:nvSpPr>
-        <p:spPr/>
-        <p:txBody>
-          <a:bodyPr>
+        <p:spPr>
+          <a:xfrm>
+            <a:off x="673754" y="2160590"/>
+            <a:ext cx="3973943" cy="3440110"/>
+          </a:xfrm>
+        </p:spPr>
+        <p:txBody>
+          <a:bodyPr vert="horz" lIns="91440" tIns="45720" rIns="91440" bIns="45720" rtlCol="0">
             <a:normAutofit/>
           </a:bodyPr>
           <a:lstStyle/>
           <a:p>
             <a:r>
-              <a:rPr lang="en-US" sz="4400" dirty="0"/>
-              <a:t>Using the </a:t>
-            </a:r>
-            <a:r>
-              <a:rPr lang="en-US" sz="4400" dirty="0" err="1"/>
-              <a:t>Keras</a:t>
-            </a:r>
-            <a:r>
-              <a:rPr lang="en-US" sz="4400" dirty="0"/>
-              <a:t> package we generated </a:t>
-            </a:r>
-            <a:r>
-              <a:rPr lang="en-US" sz="4400" dirty="0" err="1"/>
-              <a:t>approx</a:t>
-            </a:r>
-            <a:r>
-              <a:rPr lang="en-US" sz="4400" dirty="0"/>
-              <a:t> 98.33% accuracy with initial Kaggle submission</a:t>
-            </a:r>
+              <a:rPr lang="en-US">
+                <a:solidFill>
+                  <a:schemeClr val="bg1"/>
+                </a:solidFill>
+              </a:rPr>
+              <a:t>Using the Keras package we generated approx 98.33% accuracy with initial Kaggle submission</a:t>
+            </a:r>
+          </a:p>
+          <a:p>
+            <a:r>
+              <a:rPr lang="en-US">
+                <a:solidFill>
+                  <a:schemeClr val="bg1"/>
+                </a:solidFill>
+              </a:rPr>
+              <a:t>Xception Model took time 48 hours (including Tuning)</a:t>
+            </a:r>
+          </a:p>
+          <a:p>
+            <a:pPr marL="0" indent="0">
+              <a:buNone/>
+            </a:pPr>
+            <a:endParaRPr lang="en-US">
+              <a:solidFill>
+                <a:schemeClr val="bg1"/>
+              </a:solidFill>
+            </a:endParaRPr>
+          </a:p>
+        </p:txBody>
+      </p:sp>
+      <p:pic>
+        <p:nvPicPr>
+          <p:cNvPr id="5" name="Picture 4">
+            <a:extLst>
+              <a:ext uri="{FF2B5EF4-FFF2-40B4-BE49-F238E27FC236}">
+                <a16:creationId xmlns:a16="http://schemas.microsoft.com/office/drawing/2014/main" id="{FC90102D-2E38-42DB-81FD-046DC8083D51}"/>
+              </a:ext>
+            </a:extLst>
+          </p:cNvPr>
+          <p:cNvPicPr>
+            <a:picLocks noChangeAspect="1"/>
+          </p:cNvPicPr>
+          <p:nvPr/>
+        </p:nvPicPr>
+        <p:blipFill>
+          <a:blip r:embed="rId2">
+            <a:extLst>
+              <a:ext uri="{28A0092B-C50C-407E-A947-70E740481C1C}">
+                <a14:useLocalDpi xmlns:a14="http://schemas.microsoft.com/office/drawing/2010/main" val="0"/>
+              </a:ext>
+            </a:extLst>
+          </a:blip>
+          <a:stretch>
+            <a:fillRect/>
+          </a:stretch>
+        </p:blipFill>
+        <p:spPr>
+          <a:xfrm>
+            <a:off x="6487131" y="972608"/>
+            <a:ext cx="4361239" cy="4900269"/>
+          </a:xfrm>
+          <a:prstGeom prst="rect">
+            <a:avLst/>
+          </a:prstGeom>
+        </p:spPr>
+      </p:pic>
+      <p:sp>
+        <p:nvSpPr>
+          <p:cNvPr id="33" name="Isosceles Triangle 32">
+            <a:extLst>
+              <a:ext uri="{FF2B5EF4-FFF2-40B4-BE49-F238E27FC236}">
+                <a16:creationId xmlns:a16="http://schemas.microsoft.com/office/drawing/2014/main" id="{B2205F6E-03C6-4E92-877C-E2482F6599AA}"/>
+              </a:ext>
+              <a:ext uri="{C183D7F6-B498-43B3-948B-1728B52AA6E4}">
+                <adec:decorative xmlns:adec="http://schemas.microsoft.com/office/drawing/2017/decorative" val="1"/>
+              </a:ext>
+            </a:extLst>
+          </p:cNvPr>
+          <p:cNvSpPr>
+            <a:spLocks noGrp="1" noRot="1" noChangeAspect="1" noMove="1" noResize="1" noEditPoints="1" noAdjustHandles="1" noChangeArrowheads="1" noChangeShapeType="1" noTextEdit="1"/>
+          </p:cNvSpPr>
+          <p:nvPr>
+            <p:extLst>
+              <p:ext uri="{386F3935-93C4-4BCD-93E2-E3B085C9AB24}">
+                <p16:designElem xmlns:p16="http://schemas.microsoft.com/office/powerpoint/2015/main" val="1"/>
+              </p:ext>
+            </p:extLst>
+          </p:nvPr>
+        </p:nvSpPr>
+        <p:spPr>
+          <a:xfrm flipH="1">
+            <a:off x="11755696" y="4013200"/>
+            <a:ext cx="448733" cy="2844800"/>
+          </a:xfrm>
+          <a:prstGeom prst="triangle">
+            <a:avLst>
+              <a:gd name="adj" fmla="val 0"/>
+            </a:avLst>
+          </a:prstGeom>
+          <a:solidFill>
+            <a:schemeClr val="accent1">
+              <a:alpha val="85000"/>
+            </a:schemeClr>
+          </a:solidFill>
+          <a:ln>
+            <a:noFill/>
+          </a:ln>
+          <a:effectLst/>
+        </p:spPr>
+        <p:style>
+          <a:lnRef idx="1">
+            <a:schemeClr val="accent1"/>
+          </a:lnRef>
+          <a:fillRef idx="3">
+            <a:schemeClr val="accent1"/>
+          </a:fillRef>
+          <a:effectRef idx="2">
+            <a:schemeClr val="accent1"/>
+          </a:effectRef>
+          <a:fontRef idx="minor">
+            <a:schemeClr val="lt1"/>
+          </a:fontRef>
+        </p:style>
+        <p:txBody>
+          <a:bodyPr/>
+          <a:lstStyle/>
+          <a:p>
+            <a:endParaRPr lang="en-US" dirty="0"/>
           </a:p>
         </p:txBody>
       </p:sp>
